--- a/tree shaking lecture 062024 - dark.pptx
+++ b/tree shaking lecture 062024 - dark.pptx
@@ -235,7 +235,7 @@
           <a:p>
             <a:fld id="{E4F78A1B-F029-DA48-A824-C0A32AD9711F}" type="datetimeFigureOut">
               <a:rPr lang="en-IL" smtClean="0"/>
-              <a:t>15/06/2024</a:t>
+              <a:t>23/06/2024</a:t>
             </a:fld>
             <a:endParaRPr lang="en-IL"/>
           </a:p>
@@ -412,7 +412,7 @@
           <a:p>
             <a:fld id="{9E37E2F8-6D32-5946-A791-288EF922352C}" type="datetimeFigureOut">
               <a:rPr lang="en-IL" smtClean="0"/>
-              <a:t>15/06/2024</a:t>
+              <a:t>23/06/2024</a:t>
             </a:fld>
             <a:endParaRPr lang="en-IL"/>
           </a:p>
@@ -3057,7 +3057,7 @@
           <a:p>
             <a:fld id="{C764DE79-268F-4C1A-8933-263129D2AF90}" type="datetimeFigureOut">
               <a:rPr lang="en-US" smtClean="0"/>
-              <a:t>6/21/24</a:t>
+              <a:t>6/23/24</a:t>
             </a:fld>
             <a:endParaRPr lang="en-US" dirty="0"/>
           </a:p>
@@ -3227,7 +3227,7 @@
           <a:p>
             <a:fld id="{C764DE79-268F-4C1A-8933-263129D2AF90}" type="datetimeFigureOut">
               <a:rPr lang="en-US" smtClean="0"/>
-              <a:t>6/21/24</a:t>
+              <a:t>6/23/24</a:t>
             </a:fld>
             <a:endParaRPr lang="en-US" dirty="0"/>
           </a:p>
@@ -3407,7 +3407,7 @@
           <a:p>
             <a:fld id="{C764DE79-268F-4C1A-8933-263129D2AF90}" type="datetimeFigureOut">
               <a:rPr lang="en-US" smtClean="0"/>
-              <a:t>6/21/24</a:t>
+              <a:t>6/23/24</a:t>
             </a:fld>
             <a:endParaRPr lang="en-US" dirty="0"/>
           </a:p>
@@ -3761,7 +3761,7 @@
           <a:p>
             <a:fld id="{C764DE79-268F-4C1A-8933-263129D2AF90}" type="datetimeFigureOut">
               <a:rPr lang="en-US" smtClean="0"/>
-              <a:t>6/21/24</a:t>
+              <a:t>6/23/24</a:t>
             </a:fld>
             <a:endParaRPr lang="en-US" dirty="0"/>
           </a:p>
@@ -4007,7 +4007,7 @@
           <a:p>
             <a:fld id="{C764DE79-268F-4C1A-8933-263129D2AF90}" type="datetimeFigureOut">
               <a:rPr lang="en-US" smtClean="0"/>
-              <a:t>6/21/24</a:t>
+              <a:t>6/23/24</a:t>
             </a:fld>
             <a:endParaRPr lang="en-US" dirty="0"/>
           </a:p>
@@ -4239,7 +4239,7 @@
           <a:p>
             <a:fld id="{C764DE79-268F-4C1A-8933-263129D2AF90}" type="datetimeFigureOut">
               <a:rPr lang="en-US" smtClean="0"/>
-              <a:t>6/21/24</a:t>
+              <a:t>6/23/24</a:t>
             </a:fld>
             <a:endParaRPr lang="en-US" dirty="0"/>
           </a:p>
@@ -4606,7 +4606,7 @@
           <a:p>
             <a:fld id="{C764DE79-268F-4C1A-8933-263129D2AF90}" type="datetimeFigureOut">
               <a:rPr lang="en-US" smtClean="0"/>
-              <a:t>6/21/24</a:t>
+              <a:t>6/23/24</a:t>
             </a:fld>
             <a:endParaRPr lang="en-US" dirty="0"/>
           </a:p>
@@ -4724,7 +4724,7 @@
           <a:p>
             <a:fld id="{C764DE79-268F-4C1A-8933-263129D2AF90}" type="datetimeFigureOut">
               <a:rPr lang="en-US" smtClean="0"/>
-              <a:t>6/21/24</a:t>
+              <a:t>6/23/24</a:t>
             </a:fld>
             <a:endParaRPr lang="en-US" dirty="0"/>
           </a:p>
@@ -4819,7 +4819,7 @@
           <a:p>
             <a:fld id="{C764DE79-268F-4C1A-8933-263129D2AF90}" type="datetimeFigureOut">
               <a:rPr lang="en-US" smtClean="0"/>
-              <a:t>6/21/24</a:t>
+              <a:t>6/23/24</a:t>
             </a:fld>
             <a:endParaRPr lang="en-US" dirty="0"/>
           </a:p>
@@ -5147,7 +5147,7 @@
           <a:p>
             <a:fld id="{C764DE79-268F-4C1A-8933-263129D2AF90}" type="datetimeFigureOut">
               <a:rPr lang="en-US" smtClean="0"/>
-              <a:t>6/21/24</a:t>
+              <a:t>6/23/24</a:t>
             </a:fld>
             <a:endParaRPr lang="en-US" dirty="0"/>
           </a:p>
@@ -5404,7 +5404,7 @@
           <a:p>
             <a:fld id="{C764DE79-268F-4C1A-8933-263129D2AF90}" type="datetimeFigureOut">
               <a:rPr lang="en-US" smtClean="0"/>
-              <a:t>6/21/24</a:t>
+              <a:t>6/23/24</a:t>
             </a:fld>
             <a:endParaRPr lang="en-US" dirty="0"/>
           </a:p>
@@ -5617,7 +5617,7 @@
           <a:p>
             <a:fld id="{C764DE79-268F-4C1A-8933-263129D2AF90}" type="datetimeFigureOut">
               <a:rPr lang="en-US" smtClean="0"/>
-              <a:t>6/21/24</a:t>
+              <a:t>6/23/24</a:t>
             </a:fld>
             <a:endParaRPr lang="en-US" dirty="0"/>
           </a:p>
@@ -15432,7 +15432,7 @@
                 <a:latin typeface="Courier New" panose="02070309020205020404" pitchFamily="49" charset="0"/>
                 <a:cs typeface="Courier New" panose="02070309020205020404" pitchFamily="49" charset="0"/>
               </a:rPr>
-              <a:t>Sometimes it won’t work</a:t>
+              <a:t>Sometimes it doesn’t work</a:t>
             </a:r>
           </a:p>
           <a:p>
@@ -17657,104 +17657,6 @@
           </a:p>
         </p:txBody>
       </p:sp>
-      <p:sp>
-        <p:nvSpPr>
-          <p:cNvPr id="2" name="תיבת טקסט 2">
-            <a:extLst>
-              <a:ext uri="{FF2B5EF4-FFF2-40B4-BE49-F238E27FC236}">
-                <a16:creationId xmlns:a16="http://schemas.microsoft.com/office/drawing/2014/main" id="{6127F68D-19F0-123B-2E1A-4DFFC4E716C4}"/>
-              </a:ext>
-            </a:extLst>
-          </p:cNvPr>
-          <p:cNvSpPr txBox="1">
-            <a:spLocks noGrp="1"/>
-          </p:cNvSpPr>
-          <p:nvPr>
-            <p:ph type="title" idx="4294967295"/>
-          </p:nvPr>
-        </p:nvSpPr>
-        <p:spPr>
-          <a:xfrm>
-            <a:off x="714375" y="191805"/>
-            <a:ext cx="5411788" cy="708025"/>
-          </a:xfrm>
-          <a:prstGeom prst="rect">
-            <a:avLst/>
-          </a:prstGeom>
-          <a:noFill/>
-          <a:ln>
-            <a:noFill/>
-            <a:prstDash/>
-          </a:ln>
-          <a:effectLst/>
-        </p:spPr>
-        <p:txBody>
-          <a:bodyPr rot="0" spcFirstLastPara="0" vertOverflow="overflow" horzOverflow="overflow" vert="horz" wrap="square" lIns="91440" tIns="45720" rIns="91440" bIns="45720" numCol="1" spcCol="0" rtlCol="1" fromWordArt="0" anchor="t" anchorCtr="0" forceAA="0" compatLnSpc="1">
-            <a:prstTxWarp prst="textNoShape">
-              <a:avLst/>
-            </a:prstTxWarp>
-            <a:spAutoFit/>
-          </a:bodyPr>
-          <a:lstStyle>
-            <a:defPPr>
-              <a:defRPr lang="he-IL"/>
-            </a:defPPr>
-            <a:lvl1pPr algn="l" rtl="0">
-              <a:defRPr sz="4800">
-                <a:solidFill>
-                  <a:srgbClr val="F1C163"/>
-                </a:solidFill>
-                <a:latin typeface="Segoe UI" panose="020B0502040204020203" pitchFamily="34" charset="0"/>
-                <a:cs typeface="Segoe UI" panose="020B0502040204020203" pitchFamily="34" charset="0"/>
-              </a:defRPr>
-            </a:lvl1pPr>
-          </a:lstStyle>
-          <a:p>
-            <a:pPr marL="0" marR="0" lvl="0" indent="0" algn="l" defTabSz="914400" rtl="0" eaLnBrk="1" fontAlgn="auto" latinLnBrk="0" hangingPunct="1">
-              <a:lnSpc>
-                <a:spcPct val="100000"/>
-              </a:lnSpc>
-              <a:spcBef>
-                <a:spcPts val="0"/>
-              </a:spcBef>
-              <a:spcAft>
-                <a:spcPts val="0"/>
-              </a:spcAft>
-              <a:buClrTx/>
-              <a:buSzTx/>
-              <a:buFontTx/>
-              <a:buNone/>
-              <a:tabLst/>
-              <a:defRPr/>
-            </a:pPr>
-            <a:r>
-              <a:rPr lang="en-US" sz="4000" b="1" dirty="0">
-                <a:solidFill>
-                  <a:schemeClr val="tx1"/>
-                </a:solidFill>
-                <a:latin typeface="Courier New" panose="02070309020205020404" pitchFamily="49" charset="0"/>
-                <a:ea typeface="+mn-ea"/>
-                <a:cs typeface="Courier New" panose="02070309020205020404" pitchFamily="49" charset="0"/>
-              </a:rPr>
-              <a:t>Story</a:t>
-            </a:r>
-            <a:endParaRPr kumimoji="0" lang="en-US" sz="4000" b="1" i="0" u="none" strike="noStrike" kern="1200" cap="none" spc="0" normalizeH="0" baseline="0" noProof="0" dirty="0">
-              <a:ln>
-                <a:noFill/>
-              </a:ln>
-              <a:solidFill>
-                <a:schemeClr val="tx1"/>
-              </a:solidFill>
-              <a:effectLst/>
-              <a:uLnTx/>
-              <a:uFillTx/>
-              <a:latin typeface="Courier New" panose="02070309020205020404" pitchFamily="49" charset="0"/>
-              <a:ea typeface="+mn-ea"/>
-              <a:cs typeface="Courier New" panose="02070309020205020404" pitchFamily="49" charset="0"/>
-            </a:endParaRPr>
-          </a:p>
-        </p:txBody>
-      </p:sp>
       <p:pic>
         <p:nvPicPr>
           <p:cNvPr id="5" name="Picture 4">
@@ -17948,96 +17850,6 @@
           </a:sp3d>
         </p:spPr>
       </p:pic>
-      <p:sp>
-        <p:nvSpPr>
-          <p:cNvPr id="6" name="תיבת טקסט 2">
-            <a:extLst>
-              <a:ext uri="{FF2B5EF4-FFF2-40B4-BE49-F238E27FC236}">
-                <a16:creationId xmlns:a16="http://schemas.microsoft.com/office/drawing/2014/main" id="{0219CEAC-495C-1816-3173-62BE1D60C216}"/>
-              </a:ext>
-            </a:extLst>
-          </p:cNvPr>
-          <p:cNvSpPr txBox="1">
-            <a:spLocks/>
-          </p:cNvSpPr>
-          <p:nvPr/>
-        </p:nvSpPr>
-        <p:spPr>
-          <a:xfrm>
-            <a:off x="714375" y="191805"/>
-            <a:ext cx="5411788" cy="708025"/>
-          </a:xfrm>
-          <a:prstGeom prst="rect">
-            <a:avLst/>
-          </a:prstGeom>
-          <a:noFill/>
-          <a:ln>
-            <a:noFill/>
-            <a:prstDash/>
-          </a:ln>
-          <a:effectLst/>
-        </p:spPr>
-        <p:txBody>
-          <a:bodyPr rot="0" spcFirstLastPara="0" vertOverflow="overflow" horzOverflow="overflow" vert="horz" wrap="square" lIns="91440" tIns="45720" rIns="91440" bIns="45720" numCol="1" spcCol="0" rtlCol="1" fromWordArt="0" anchor="t" anchorCtr="0" forceAA="0" compatLnSpc="1">
-            <a:prstTxWarp prst="textNoShape">
-              <a:avLst/>
-            </a:prstTxWarp>
-            <a:spAutoFit/>
-          </a:bodyPr>
-          <a:lstStyle>
-            <a:defPPr>
-              <a:defRPr lang="he-IL"/>
-            </a:defPPr>
-            <a:lvl1pPr algn="l" defTabSz="914400" rtl="0" eaLnBrk="1" latinLnBrk="0" hangingPunct="1">
-              <a:lnSpc>
-                <a:spcPct val="90000"/>
-              </a:lnSpc>
-              <a:spcBef>
-                <a:spcPct val="0"/>
-              </a:spcBef>
-              <a:buNone/>
-              <a:defRPr sz="4800" kern="1200">
-                <a:solidFill>
-                  <a:srgbClr val="F1C163"/>
-                </a:solidFill>
-                <a:latin typeface="Segoe UI" panose="020B0502040204020203" pitchFamily="34" charset="0"/>
-                <a:ea typeface="+mj-ea"/>
-                <a:cs typeface="Segoe UI" panose="020B0502040204020203" pitchFamily="34" charset="0"/>
-              </a:defRPr>
-            </a:lvl1pPr>
-          </a:lstStyle>
-          <a:p>
-            <a:pPr>
-              <a:lnSpc>
-                <a:spcPct val="100000"/>
-              </a:lnSpc>
-              <a:spcBef>
-                <a:spcPts val="0"/>
-              </a:spcBef>
-              <a:defRPr/>
-            </a:pPr>
-            <a:r>
-              <a:rPr lang="en-US" sz="4000" b="1">
-                <a:solidFill>
-                  <a:schemeClr val="tx1"/>
-                </a:solidFill>
-                <a:latin typeface="Courier New" panose="02070309020205020404" pitchFamily="49" charset="0"/>
-                <a:ea typeface="+mn-ea"/>
-                <a:cs typeface="Courier New" panose="02070309020205020404" pitchFamily="49" charset="0"/>
-              </a:rPr>
-              <a:t>Story</a:t>
-            </a:r>
-            <a:endParaRPr lang="en-US" sz="4000" b="1" dirty="0">
-              <a:solidFill>
-                <a:schemeClr val="tx1"/>
-              </a:solidFill>
-              <a:latin typeface="Courier New" panose="02070309020205020404" pitchFamily="49" charset="0"/>
-              <a:ea typeface="+mn-ea"/>
-              <a:cs typeface="Courier New" panose="02070309020205020404" pitchFamily="49" charset="0"/>
-            </a:endParaRPr>
-          </a:p>
-        </p:txBody>
-      </p:sp>
     </p:spTree>
     <p:extLst>
       <p:ext uri="{BB962C8B-B14F-4D97-AF65-F5344CB8AC3E}">
